--- a/course_material/slides/NVIC_and_interrupts class 8.pptx
+++ b/course_material/slides/NVIC_and_interrupts class 8.pptx
@@ -120,6 +120,11 @@
       </a:defRPr>
     </a:lvl9pPr>
   </p:defaultTextStyle>
+  <p:extLst>
+    <p:ext uri="{EFAFB233-063F-42B5-8137-9DF3F51BA10A}">
+      <p15:sldGuideLst xmlns:p15="http://schemas.microsoft.com/office/powerpoint/2012/main"/>
+    </p:ext>
+  </p:extLst>
 </p:presentation>
 </file>
 
@@ -270,7 +275,7 @@
           <a:p>
             <a:fld id="{7391B69C-4AC6-4FD6-BCAA-65E8E41B1AE2}" type="datetimeFigureOut">
               <a:rPr lang="en-US" smtClean="0"/>
-              <a:t>12/3/2019</a:t>
+              <a:t>1/14/2025</a:t>
             </a:fld>
             <a:endParaRPr lang="en-US"/>
           </a:p>
@@ -468,7 +473,7 @@
           <a:p>
             <a:fld id="{7391B69C-4AC6-4FD6-BCAA-65E8E41B1AE2}" type="datetimeFigureOut">
               <a:rPr lang="en-US" smtClean="0"/>
-              <a:t>12/3/2019</a:t>
+              <a:t>1/14/2025</a:t>
             </a:fld>
             <a:endParaRPr lang="en-US"/>
           </a:p>
@@ -676,7 +681,7 @@
           <a:p>
             <a:fld id="{7391B69C-4AC6-4FD6-BCAA-65E8E41B1AE2}" type="datetimeFigureOut">
               <a:rPr lang="en-US" smtClean="0"/>
-              <a:t>12/3/2019</a:t>
+              <a:t>1/14/2025</a:t>
             </a:fld>
             <a:endParaRPr lang="en-US"/>
           </a:p>
@@ -874,7 +879,7 @@
           <a:p>
             <a:fld id="{7391B69C-4AC6-4FD6-BCAA-65E8E41B1AE2}" type="datetimeFigureOut">
               <a:rPr lang="en-US" smtClean="0"/>
-              <a:t>12/3/2019</a:t>
+              <a:t>1/14/2025</a:t>
             </a:fld>
             <a:endParaRPr lang="en-US"/>
           </a:p>
@@ -1149,7 +1154,7 @@
           <a:p>
             <a:fld id="{7391B69C-4AC6-4FD6-BCAA-65E8E41B1AE2}" type="datetimeFigureOut">
               <a:rPr lang="en-US" smtClean="0"/>
-              <a:t>12/3/2019</a:t>
+              <a:t>1/14/2025</a:t>
             </a:fld>
             <a:endParaRPr lang="en-US"/>
           </a:p>
@@ -1414,7 +1419,7 @@
           <a:p>
             <a:fld id="{7391B69C-4AC6-4FD6-BCAA-65E8E41B1AE2}" type="datetimeFigureOut">
               <a:rPr lang="en-US" smtClean="0"/>
-              <a:t>12/3/2019</a:t>
+              <a:t>1/14/2025</a:t>
             </a:fld>
             <a:endParaRPr lang="en-US"/>
           </a:p>
@@ -1826,7 +1831,7 @@
           <a:p>
             <a:fld id="{7391B69C-4AC6-4FD6-BCAA-65E8E41B1AE2}" type="datetimeFigureOut">
               <a:rPr lang="en-US" smtClean="0"/>
-              <a:t>12/3/2019</a:t>
+              <a:t>1/14/2025</a:t>
             </a:fld>
             <a:endParaRPr lang="en-US"/>
           </a:p>
@@ -1967,7 +1972,7 @@
           <a:p>
             <a:fld id="{7391B69C-4AC6-4FD6-BCAA-65E8E41B1AE2}" type="datetimeFigureOut">
               <a:rPr lang="en-US" smtClean="0"/>
-              <a:t>12/3/2019</a:t>
+              <a:t>1/14/2025</a:t>
             </a:fld>
             <a:endParaRPr lang="en-US"/>
           </a:p>
@@ -2080,7 +2085,7 @@
           <a:p>
             <a:fld id="{7391B69C-4AC6-4FD6-BCAA-65E8E41B1AE2}" type="datetimeFigureOut">
               <a:rPr lang="en-US" smtClean="0"/>
-              <a:t>12/3/2019</a:t>
+              <a:t>1/14/2025</a:t>
             </a:fld>
             <a:endParaRPr lang="en-US"/>
           </a:p>
@@ -2391,7 +2396,7 @@
           <a:p>
             <a:fld id="{7391B69C-4AC6-4FD6-BCAA-65E8E41B1AE2}" type="datetimeFigureOut">
               <a:rPr lang="en-US" smtClean="0"/>
-              <a:t>12/3/2019</a:t>
+              <a:t>1/14/2025</a:t>
             </a:fld>
             <a:endParaRPr lang="en-US"/>
           </a:p>
@@ -2679,7 +2684,7 @@
           <a:p>
             <a:fld id="{7391B69C-4AC6-4FD6-BCAA-65E8E41B1AE2}" type="datetimeFigureOut">
               <a:rPr lang="en-US" smtClean="0"/>
-              <a:t>12/3/2019</a:t>
+              <a:t>1/14/2025</a:t>
             </a:fld>
             <a:endParaRPr lang="en-US"/>
           </a:p>
@@ -2920,7 +2925,7 @@
           <a:p>
             <a:fld id="{7391B69C-4AC6-4FD6-BCAA-65E8E41B1AE2}" type="datetimeFigureOut">
               <a:rPr lang="en-US" smtClean="0"/>
-              <a:t>12/3/2019</a:t>
+              <a:t>1/14/2025</a:t>
             </a:fld>
             <a:endParaRPr lang="en-US"/>
           </a:p>
@@ -5267,7 +5272,7 @@
         </p:blipFill>
         <p:spPr bwMode="auto">
           <a:xfrm>
-            <a:off x="7745413" y="0"/>
+            <a:off x="8933316" y="32657"/>
             <a:ext cx="3071813" cy="6858000"/>
           </a:xfrm>
           <a:prstGeom prst="rect">
